--- a/Plots.pptx
+++ b/Plots.pptx
@@ -5,7 +5,7 @@
     <p:sldMasterId id="2147483648" r:id="rId1"/>
   </p:sldMasterIdLst>
   <p:notesMasterIdLst>
-    <p:notesMasterId r:id="rId17"/>
+    <p:notesMasterId r:id="rId25"/>
   </p:notesMasterIdLst>
   <p:sldIdLst>
     <p:sldId id="256" r:id="rId2"/>
@@ -15,14 +15,22 @@
     <p:sldId id="263" r:id="rId6"/>
     <p:sldId id="261" r:id="rId7"/>
     <p:sldId id="262" r:id="rId8"/>
-    <p:sldId id="260" r:id="rId9"/>
-    <p:sldId id="264" r:id="rId10"/>
-    <p:sldId id="265" r:id="rId11"/>
-    <p:sldId id="266" r:id="rId12"/>
-    <p:sldId id="267" r:id="rId13"/>
-    <p:sldId id="268" r:id="rId14"/>
-    <p:sldId id="269" r:id="rId15"/>
-    <p:sldId id="270" r:id="rId16"/>
+    <p:sldId id="272" r:id="rId9"/>
+    <p:sldId id="276" r:id="rId10"/>
+    <p:sldId id="277" r:id="rId11"/>
+    <p:sldId id="264" r:id="rId12"/>
+    <p:sldId id="265" r:id="rId13"/>
+    <p:sldId id="266" r:id="rId14"/>
+    <p:sldId id="267" r:id="rId15"/>
+    <p:sldId id="268" r:id="rId16"/>
+    <p:sldId id="271" r:id="rId17"/>
+    <p:sldId id="269" r:id="rId18"/>
+    <p:sldId id="273" r:id="rId19"/>
+    <p:sldId id="270" r:id="rId20"/>
+    <p:sldId id="279" r:id="rId21"/>
+    <p:sldId id="274" r:id="rId22"/>
+    <p:sldId id="278" r:id="rId23"/>
+    <p:sldId id="275" r:id="rId24"/>
   </p:sldIdLst>
   <p:sldSz cx="12192000" cy="6858000"/>
   <p:notesSz cx="6858000" cy="9144000"/>
@@ -211,7 +219,7 @@
           <a:p>
             <a:fld id="{866F457E-E95A-42D6-AEAB-EEA70E6AC852}" type="datetimeFigureOut">
               <a:rPr lang="en-GB" smtClean="0"/>
-              <a:t>10/01/2024</a:t>
+              <a:t>12/01/2024</a:t>
             </a:fld>
             <a:endParaRPr lang="en-GB"/>
           </a:p>
@@ -712,7 +720,7 @@
           <a:p>
             <a:fld id="{1BB991B7-47F7-4618-8344-8C146D470045}" type="datetimeFigureOut">
               <a:rPr lang="en-GB" smtClean="0"/>
-              <a:t>10/01/2024</a:t>
+              <a:t>12/01/2024</a:t>
             </a:fld>
             <a:endParaRPr lang="en-GB"/>
           </a:p>
@@ -912,7 +920,7 @@
           <a:p>
             <a:fld id="{1BB991B7-47F7-4618-8344-8C146D470045}" type="datetimeFigureOut">
               <a:rPr lang="en-GB" smtClean="0"/>
-              <a:t>10/01/2024</a:t>
+              <a:t>12/01/2024</a:t>
             </a:fld>
             <a:endParaRPr lang="en-GB"/>
           </a:p>
@@ -1122,7 +1130,7 @@
           <a:p>
             <a:fld id="{1BB991B7-47F7-4618-8344-8C146D470045}" type="datetimeFigureOut">
               <a:rPr lang="en-GB" smtClean="0"/>
-              <a:t>10/01/2024</a:t>
+              <a:t>12/01/2024</a:t>
             </a:fld>
             <a:endParaRPr lang="en-GB"/>
           </a:p>
@@ -1322,7 +1330,7 @@
           <a:p>
             <a:fld id="{1BB991B7-47F7-4618-8344-8C146D470045}" type="datetimeFigureOut">
               <a:rPr lang="en-GB" smtClean="0"/>
-              <a:t>10/01/2024</a:t>
+              <a:t>12/01/2024</a:t>
             </a:fld>
             <a:endParaRPr lang="en-GB"/>
           </a:p>
@@ -1598,7 +1606,7 @@
           <a:p>
             <a:fld id="{1BB991B7-47F7-4618-8344-8C146D470045}" type="datetimeFigureOut">
               <a:rPr lang="en-GB" smtClean="0"/>
-              <a:t>10/01/2024</a:t>
+              <a:t>12/01/2024</a:t>
             </a:fld>
             <a:endParaRPr lang="en-GB"/>
           </a:p>
@@ -1866,7 +1874,7 @@
           <a:p>
             <a:fld id="{1BB991B7-47F7-4618-8344-8C146D470045}" type="datetimeFigureOut">
               <a:rPr lang="en-GB" smtClean="0"/>
-              <a:t>10/01/2024</a:t>
+              <a:t>12/01/2024</a:t>
             </a:fld>
             <a:endParaRPr lang="en-GB"/>
           </a:p>
@@ -2281,7 +2289,7 @@
           <a:p>
             <a:fld id="{1BB991B7-47F7-4618-8344-8C146D470045}" type="datetimeFigureOut">
               <a:rPr lang="en-GB" smtClean="0"/>
-              <a:t>10/01/2024</a:t>
+              <a:t>12/01/2024</a:t>
             </a:fld>
             <a:endParaRPr lang="en-GB"/>
           </a:p>
@@ -2423,7 +2431,7 @@
           <a:p>
             <a:fld id="{1BB991B7-47F7-4618-8344-8C146D470045}" type="datetimeFigureOut">
               <a:rPr lang="en-GB" smtClean="0"/>
-              <a:t>10/01/2024</a:t>
+              <a:t>12/01/2024</a:t>
             </a:fld>
             <a:endParaRPr lang="en-GB"/>
           </a:p>
@@ -2536,7 +2544,7 @@
           <a:p>
             <a:fld id="{1BB991B7-47F7-4618-8344-8C146D470045}" type="datetimeFigureOut">
               <a:rPr lang="en-GB" smtClean="0"/>
-              <a:t>10/01/2024</a:t>
+              <a:t>12/01/2024</a:t>
             </a:fld>
             <a:endParaRPr lang="en-GB"/>
           </a:p>
@@ -2849,7 +2857,7 @@
           <a:p>
             <a:fld id="{1BB991B7-47F7-4618-8344-8C146D470045}" type="datetimeFigureOut">
               <a:rPr lang="en-GB" smtClean="0"/>
-              <a:t>10/01/2024</a:t>
+              <a:t>12/01/2024</a:t>
             </a:fld>
             <a:endParaRPr lang="en-GB"/>
           </a:p>
@@ -3138,7 +3146,7 @@
           <a:p>
             <a:fld id="{1BB991B7-47F7-4618-8344-8C146D470045}" type="datetimeFigureOut">
               <a:rPr lang="en-GB" smtClean="0"/>
-              <a:t>10/01/2024</a:t>
+              <a:t>12/01/2024</a:t>
             </a:fld>
             <a:endParaRPr lang="en-GB"/>
           </a:p>
@@ -3381,7 +3389,7 @@
           <a:p>
             <a:fld id="{1BB991B7-47F7-4618-8344-8C146D470045}" type="datetimeFigureOut">
               <a:rPr lang="en-GB" smtClean="0"/>
-              <a:t>10/01/2024</a:t>
+              <a:t>12/01/2024</a:t>
             </a:fld>
             <a:endParaRPr lang="en-GB"/>
           </a:p>
@@ -3873,7 +3881,7 @@
     <p:bg>
       <p:bgPr>
         <a:solidFill>
-          <a:schemeClr val="accent4">
+          <a:schemeClr val="accent6">
             <a:lumMod val="20000"/>
             <a:lumOff val="80000"/>
           </a:schemeClr>
@@ -3921,10 +3929,10 @@
             <a:schemeClr val="lt1"/>
           </a:lnRef>
           <a:fillRef idx="1">
-            <a:schemeClr val="accent4"/>
+            <a:schemeClr val="accent6"/>
           </a:fillRef>
           <a:effectRef idx="1">
-            <a:schemeClr val="accent4"/>
+            <a:schemeClr val="accent6"/>
           </a:effectRef>
           <a:fontRef idx="minor">
             <a:schemeClr val="lt1"/>
@@ -3938,7 +3946,7 @@
           <a:p>
             <a:r>
               <a:rPr lang="en-GB" dirty="0"/>
-              <a:t>SA</a:t>
+              <a:t>SUPERATIONS</a:t>
             </a:r>
           </a:p>
         </p:txBody>
@@ -3958,7 +3966,7 @@
         <p:spPr>
           <a:xfrm>
             <a:off x="5410986" y="122548"/>
-            <a:ext cx="3610466" cy="369332"/>
+            <a:ext cx="1960775" cy="369332"/>
           </a:xfrm>
           <a:prstGeom prst="rect">
             <a:avLst/>
@@ -3973,17 +3981,17 @@
           <a:p>
             <a:r>
               <a:rPr lang="en-GB" b="1" dirty="0"/>
-              <a:t>MEAN AND MEAN CYCLES</a:t>
+              <a:t>COMPOSITION</a:t>
             </a:r>
           </a:p>
         </p:txBody>
       </p:sp>
       <p:pic>
         <p:nvPicPr>
-          <p:cNvPr id="6" name="Imagen 5">
-            <a:extLst>
-              <a:ext uri="{FF2B5EF4-FFF2-40B4-BE49-F238E27FC236}">
-                <a16:creationId xmlns:a16="http://schemas.microsoft.com/office/drawing/2014/main" id="{58C601F9-8115-4016-A4B4-85C869C36F89}"/>
+          <p:cNvPr id="7" name="Imagen 6">
+            <a:extLst>
+              <a:ext uri="{FF2B5EF4-FFF2-40B4-BE49-F238E27FC236}">
+                <a16:creationId xmlns:a16="http://schemas.microsoft.com/office/drawing/2014/main" id="{1C603FC5-1875-4ED1-B749-60BF53FC74C9}"/>
               </a:ext>
             </a:extLst>
           </p:cNvPr>
@@ -4000,20 +4008,71 @@
         </p:blipFill>
         <p:spPr>
           <a:xfrm>
-            <a:off x="8519735" y="659876"/>
-            <a:ext cx="2358415" cy="2111604"/>
+            <a:off x="6608189" y="1396448"/>
+            <a:ext cx="4889897" cy="3911917"/>
           </a:xfrm>
           <a:prstGeom prst="rect">
             <a:avLst/>
           </a:prstGeom>
         </p:spPr>
       </p:pic>
+      <p:sp>
+        <p:nvSpPr>
+          <p:cNvPr id="10" name="CuadroTexto 9">
+            <a:extLst>
+              <a:ext uri="{FF2B5EF4-FFF2-40B4-BE49-F238E27FC236}">
+                <a16:creationId xmlns:a16="http://schemas.microsoft.com/office/drawing/2014/main" id="{65187452-86C2-470F-B2C1-362D4BC51231}"/>
+              </a:ext>
+            </a:extLst>
+          </p:cNvPr>
+          <p:cNvSpPr txBox="1"/>
+          <p:nvPr/>
+        </p:nvSpPr>
+        <p:spPr>
+          <a:xfrm>
+            <a:off x="787641" y="5332956"/>
+            <a:ext cx="5820548" cy="646331"/>
+          </a:xfrm>
+          <a:prstGeom prst="rect">
+            <a:avLst/>
+          </a:prstGeom>
+          <a:noFill/>
+        </p:spPr>
+        <p:txBody>
+          <a:bodyPr wrap="square" rtlCol="0">
+            <a:spAutoFit/>
+          </a:bodyPr>
+          <a:lstStyle/>
+          <a:p>
+            <a:r>
+              <a:rPr lang="en-GB" dirty="0"/>
+              <a:t>Percentages above represent the percentage of days per season which </a:t>
+            </a:r>
+            <a:r>
+              <a:rPr lang="en-GB" dirty="0" err="1"/>
+              <a:t>superate</a:t>
+            </a:r>
+            <a:r>
+              <a:rPr lang="en-GB" dirty="0"/>
+              <a:t> the </a:t>
+            </a:r>
+            <a:r>
+              <a:rPr lang="en-GB" dirty="0" err="1"/>
+              <a:t>wHO</a:t>
+            </a:r>
+            <a:r>
+              <a:rPr lang="en-GB" dirty="0"/>
+              <a:t> limit.</a:t>
+            </a:r>
+          </a:p>
+        </p:txBody>
+      </p:sp>
       <p:pic>
         <p:nvPicPr>
-          <p:cNvPr id="4" name="Imagen 3">
-            <a:extLst>
-              <a:ext uri="{FF2B5EF4-FFF2-40B4-BE49-F238E27FC236}">
-                <a16:creationId xmlns:a16="http://schemas.microsoft.com/office/drawing/2014/main" id="{900EB2CB-EC43-451D-BD07-0BC9D9578E8E}"/>
+          <p:cNvPr id="11" name="Imagen 10">
+            <a:extLst>
+              <a:ext uri="{FF2B5EF4-FFF2-40B4-BE49-F238E27FC236}">
+                <a16:creationId xmlns:a16="http://schemas.microsoft.com/office/drawing/2014/main" id="{E80F03BC-8B28-4A31-9070-5AED235650DA}"/>
               </a:ext>
             </a:extLst>
           </p:cNvPr>
@@ -4030,8 +4089,8 @@
         </p:blipFill>
         <p:spPr>
           <a:xfrm>
-            <a:off x="428266" y="659876"/>
-            <a:ext cx="8165950" cy="6198124"/>
+            <a:off x="644677" y="1396448"/>
+            <a:ext cx="4685714" cy="3936508"/>
           </a:xfrm>
           <a:prstGeom prst="rect">
             <a:avLst/>
@@ -4041,7 +4100,7 @@
     </p:spTree>
     <p:extLst>
       <p:ext uri="{BB962C8B-B14F-4D97-AF65-F5344CB8AC3E}">
-        <p14:creationId xmlns:p14="http://schemas.microsoft.com/office/powerpoint/2010/main" val="2269022279"/>
+        <p14:creationId xmlns:p14="http://schemas.microsoft.com/office/powerpoint/2010/main" val="2919410318"/>
       </p:ext>
     </p:extLst>
   </p:cSld>
@@ -4142,7 +4201,7 @@
         <p:spPr>
           <a:xfrm>
             <a:off x="5410986" y="122548"/>
-            <a:ext cx="3016577" cy="369332"/>
+            <a:ext cx="1960775" cy="369332"/>
           </a:xfrm>
           <a:prstGeom prst="rect">
             <a:avLst/>
@@ -4157,17 +4216,17 @@
           <a:p>
             <a:r>
               <a:rPr lang="en-GB" b="1" dirty="0"/>
-              <a:t>YEARLY STRUCTURE </a:t>
+              <a:t>MEAN</a:t>
             </a:r>
           </a:p>
         </p:txBody>
       </p:sp>
       <p:pic>
         <p:nvPicPr>
-          <p:cNvPr id="5" name="Imagen 4">
-            <a:extLst>
-              <a:ext uri="{FF2B5EF4-FFF2-40B4-BE49-F238E27FC236}">
-                <a16:creationId xmlns:a16="http://schemas.microsoft.com/office/drawing/2014/main" id="{70079049-9E75-499D-A28C-E7B146B4D009}"/>
+          <p:cNvPr id="6" name="Imagen 5">
+            <a:extLst>
+              <a:ext uri="{FF2B5EF4-FFF2-40B4-BE49-F238E27FC236}">
+                <a16:creationId xmlns:a16="http://schemas.microsoft.com/office/drawing/2014/main" id="{58C601F9-8115-4016-A4B4-85C869C36F89}"/>
               </a:ext>
             </a:extLst>
           </p:cNvPr>
@@ -4184,8 +4243,38 @@
         </p:blipFill>
         <p:spPr>
           <a:xfrm>
-            <a:off x="0" y="1538471"/>
-            <a:ext cx="9244444" cy="3517460"/>
+            <a:off x="10018597" y="837121"/>
+            <a:ext cx="1956587" cy="1751828"/>
+          </a:xfrm>
+          <a:prstGeom prst="rect">
+            <a:avLst/>
+          </a:prstGeom>
+        </p:spPr>
+      </p:pic>
+      <p:pic>
+        <p:nvPicPr>
+          <p:cNvPr id="8" name="Imagen 7">
+            <a:extLst>
+              <a:ext uri="{FF2B5EF4-FFF2-40B4-BE49-F238E27FC236}">
+                <a16:creationId xmlns:a16="http://schemas.microsoft.com/office/drawing/2014/main" id="{052425AC-61D8-4A2E-9D3A-7C8E66E9C249}"/>
+              </a:ext>
+            </a:extLst>
+          </p:cNvPr>
+          <p:cNvPicPr>
+            <a:picLocks noChangeAspect="1"/>
+          </p:cNvPicPr>
+          <p:nvPr/>
+        </p:nvPicPr>
+        <p:blipFill>
+          <a:blip r:embed="rId3"/>
+          <a:stretch>
+            <a:fillRect/>
+          </a:stretch>
+        </p:blipFill>
+        <p:spPr>
+          <a:xfrm>
+            <a:off x="138129" y="2741335"/>
+            <a:ext cx="12053871" cy="2641370"/>
           </a:xfrm>
           <a:prstGeom prst="rect">
             <a:avLst/>
@@ -4195,7 +4284,7 @@
     </p:spTree>
     <p:extLst>
       <p:ext uri="{BB962C8B-B14F-4D97-AF65-F5344CB8AC3E}">
-        <p14:creationId xmlns:p14="http://schemas.microsoft.com/office/powerpoint/2010/main" val="1604434472"/>
+        <p14:creationId xmlns:p14="http://schemas.microsoft.com/office/powerpoint/2010/main" val="1583870680"/>
       </p:ext>
     </p:extLst>
   </p:cSld>
@@ -4296,7 +4385,7 @@
         <p:spPr>
           <a:xfrm>
             <a:off x="5410986" y="122548"/>
-            <a:ext cx="3016577" cy="369332"/>
+            <a:ext cx="3610466" cy="369332"/>
           </a:xfrm>
           <a:prstGeom prst="rect">
             <a:avLst/>
@@ -4311,17 +4400,17 @@
           <a:p>
             <a:r>
               <a:rPr lang="en-GB" b="1" dirty="0"/>
-              <a:t>YEARLY STRUCTURE </a:t>
+              <a:t>MEAN AND MEAN CYCLES</a:t>
             </a:r>
           </a:p>
         </p:txBody>
       </p:sp>
       <p:pic>
         <p:nvPicPr>
-          <p:cNvPr id="7" name="Imagen 6">
-            <a:extLst>
-              <a:ext uri="{FF2B5EF4-FFF2-40B4-BE49-F238E27FC236}">
-                <a16:creationId xmlns:a16="http://schemas.microsoft.com/office/drawing/2014/main" id="{6A8CC733-86B3-4C3A-940A-52476EC4EADD}"/>
+          <p:cNvPr id="6" name="Imagen 5">
+            <a:extLst>
+              <a:ext uri="{FF2B5EF4-FFF2-40B4-BE49-F238E27FC236}">
+                <a16:creationId xmlns:a16="http://schemas.microsoft.com/office/drawing/2014/main" id="{58C601F9-8115-4016-A4B4-85C869C36F89}"/>
               </a:ext>
             </a:extLst>
           </p:cNvPr>
@@ -4338,8 +4427,8 @@
         </p:blipFill>
         <p:spPr>
           <a:xfrm>
-            <a:off x="0" y="5600330"/>
-            <a:ext cx="12192000" cy="1262917"/>
+            <a:off x="8519735" y="659876"/>
+            <a:ext cx="2358415" cy="2111604"/>
           </a:xfrm>
           <a:prstGeom prst="rect">
             <a:avLst/>
@@ -4351,7 +4440,7 @@
           <p:cNvPr id="4" name="Imagen 3">
             <a:extLst>
               <a:ext uri="{FF2B5EF4-FFF2-40B4-BE49-F238E27FC236}">
-                <a16:creationId xmlns:a16="http://schemas.microsoft.com/office/drawing/2014/main" id="{D273BF23-4C31-456D-BC76-FD20D410B5A5}"/>
+                <a16:creationId xmlns:a16="http://schemas.microsoft.com/office/drawing/2014/main" id="{900EB2CB-EC43-451D-BD07-0BC9D9578E8E}"/>
               </a:ext>
             </a:extLst>
           </p:cNvPr>
@@ -4368,8 +4457,8 @@
         </p:blipFill>
         <p:spPr>
           <a:xfrm>
-            <a:off x="216816" y="783321"/>
-            <a:ext cx="6069841" cy="4914286"/>
+            <a:off x="428266" y="659876"/>
+            <a:ext cx="8165950" cy="6198124"/>
           </a:xfrm>
           <a:prstGeom prst="rect">
             <a:avLst/>
@@ -4379,7 +4468,7 @@
     </p:spTree>
     <p:extLst>
       <p:ext uri="{BB962C8B-B14F-4D97-AF65-F5344CB8AC3E}">
-        <p14:creationId xmlns:p14="http://schemas.microsoft.com/office/powerpoint/2010/main" val="3325483731"/>
+        <p14:creationId xmlns:p14="http://schemas.microsoft.com/office/powerpoint/2010/main" val="2269022279"/>
       </p:ext>
     </p:extLst>
   </p:cSld>
@@ -4495,17 +4584,17 @@
           <a:p>
             <a:r>
               <a:rPr lang="en-GB" b="1" dirty="0"/>
-              <a:t>MONTHLY STRUCTURE </a:t>
+              <a:t>YEARLY STRUCTURE </a:t>
             </a:r>
           </a:p>
         </p:txBody>
       </p:sp>
       <p:pic>
         <p:nvPicPr>
-          <p:cNvPr id="8" name="Imagen 7">
-            <a:extLst>
-              <a:ext uri="{FF2B5EF4-FFF2-40B4-BE49-F238E27FC236}">
-                <a16:creationId xmlns:a16="http://schemas.microsoft.com/office/drawing/2014/main" id="{7C9AAFDC-1983-47B9-9E5C-71C7B16CE3FB}"/>
+          <p:cNvPr id="5" name="Imagen 4">
+            <a:extLst>
+              <a:ext uri="{FF2B5EF4-FFF2-40B4-BE49-F238E27FC236}">
+                <a16:creationId xmlns:a16="http://schemas.microsoft.com/office/drawing/2014/main" id="{70079049-9E75-499D-A28C-E7B146B4D009}"/>
               </a:ext>
             </a:extLst>
           </p:cNvPr>
@@ -4522,38 +4611,8 @@
         </p:blipFill>
         <p:spPr>
           <a:xfrm>
-            <a:off x="75416" y="1051556"/>
-            <a:ext cx="4977353" cy="3146062"/>
-          </a:xfrm>
-          <a:prstGeom prst="rect">
-            <a:avLst/>
-          </a:prstGeom>
-        </p:spPr>
-      </p:pic>
-      <p:pic>
-        <p:nvPicPr>
-          <p:cNvPr id="20" name="Imagen 19">
-            <a:extLst>
-              <a:ext uri="{FF2B5EF4-FFF2-40B4-BE49-F238E27FC236}">
-                <a16:creationId xmlns:a16="http://schemas.microsoft.com/office/drawing/2014/main" id="{118D5B0B-1DB0-4CA0-B33E-52D381016821}"/>
-              </a:ext>
-            </a:extLst>
-          </p:cNvPr>
-          <p:cNvPicPr>
-            <a:picLocks noChangeAspect="1"/>
-          </p:cNvPicPr>
-          <p:nvPr/>
-        </p:nvPicPr>
-        <p:blipFill>
-          <a:blip r:embed="rId3"/>
-          <a:stretch>
-            <a:fillRect/>
-          </a:stretch>
-        </p:blipFill>
-        <p:spPr>
-          <a:xfrm>
-            <a:off x="5052769" y="1051556"/>
-            <a:ext cx="7061264" cy="3173162"/>
+            <a:off x="0" y="1538471"/>
+            <a:ext cx="9244444" cy="3517460"/>
           </a:xfrm>
           <a:prstGeom prst="rect">
             <a:avLst/>
@@ -4563,7 +4622,7 @@
     </p:spTree>
     <p:extLst>
       <p:ext uri="{BB962C8B-B14F-4D97-AF65-F5344CB8AC3E}">
-        <p14:creationId xmlns:p14="http://schemas.microsoft.com/office/powerpoint/2010/main" val="2732196575"/>
+        <p14:creationId xmlns:p14="http://schemas.microsoft.com/office/powerpoint/2010/main" val="1604434472"/>
       </p:ext>
     </p:extLst>
   </p:cSld>
@@ -4679,6 +4738,528 @@
           <a:p>
             <a:r>
               <a:rPr lang="en-GB" b="1" dirty="0"/>
+              <a:t>YEARLY STRUCTURE </a:t>
+            </a:r>
+          </a:p>
+        </p:txBody>
+      </p:sp>
+      <p:pic>
+        <p:nvPicPr>
+          <p:cNvPr id="7" name="Imagen 6">
+            <a:extLst>
+              <a:ext uri="{FF2B5EF4-FFF2-40B4-BE49-F238E27FC236}">
+                <a16:creationId xmlns:a16="http://schemas.microsoft.com/office/drawing/2014/main" id="{6A8CC733-86B3-4C3A-940A-52476EC4EADD}"/>
+              </a:ext>
+            </a:extLst>
+          </p:cNvPr>
+          <p:cNvPicPr>
+            <a:picLocks noChangeAspect="1"/>
+          </p:cNvPicPr>
+          <p:nvPr/>
+        </p:nvPicPr>
+        <p:blipFill>
+          <a:blip r:embed="rId2"/>
+          <a:stretch>
+            <a:fillRect/>
+          </a:stretch>
+        </p:blipFill>
+        <p:spPr>
+          <a:xfrm>
+            <a:off x="0" y="5600330"/>
+            <a:ext cx="12192000" cy="1262917"/>
+          </a:xfrm>
+          <a:prstGeom prst="rect">
+            <a:avLst/>
+          </a:prstGeom>
+        </p:spPr>
+      </p:pic>
+      <p:pic>
+        <p:nvPicPr>
+          <p:cNvPr id="4" name="Imagen 3">
+            <a:extLst>
+              <a:ext uri="{FF2B5EF4-FFF2-40B4-BE49-F238E27FC236}">
+                <a16:creationId xmlns:a16="http://schemas.microsoft.com/office/drawing/2014/main" id="{D273BF23-4C31-456D-BC76-FD20D410B5A5}"/>
+              </a:ext>
+            </a:extLst>
+          </p:cNvPr>
+          <p:cNvPicPr>
+            <a:picLocks noChangeAspect="1"/>
+          </p:cNvPicPr>
+          <p:nvPr/>
+        </p:nvPicPr>
+        <p:blipFill>
+          <a:blip r:embed="rId3"/>
+          <a:stretch>
+            <a:fillRect/>
+          </a:stretch>
+        </p:blipFill>
+        <p:spPr>
+          <a:xfrm>
+            <a:off x="216816" y="783321"/>
+            <a:ext cx="6069841" cy="4914286"/>
+          </a:xfrm>
+          <a:prstGeom prst="rect">
+            <a:avLst/>
+          </a:prstGeom>
+        </p:spPr>
+      </p:pic>
+    </p:spTree>
+    <p:extLst>
+      <p:ext uri="{BB962C8B-B14F-4D97-AF65-F5344CB8AC3E}">
+        <p14:creationId xmlns:p14="http://schemas.microsoft.com/office/powerpoint/2010/main" val="3325483731"/>
+      </p:ext>
+    </p:extLst>
+  </p:cSld>
+  <p:clrMapOvr>
+    <a:masterClrMapping/>
+  </p:clrMapOvr>
+</p:sld>
+</file>
+
+<file path=ppt/slides/slide15.xml><?xml version="1.0" encoding="utf-8"?>
+<p:sld xmlns:a="http://schemas.openxmlformats.org/drawingml/2006/main" xmlns:r="http://schemas.openxmlformats.org/officeDocument/2006/relationships" xmlns:p="http://schemas.openxmlformats.org/presentationml/2006/main">
+  <p:cSld>
+    <p:bg>
+      <p:bgPr>
+        <a:solidFill>
+          <a:schemeClr val="accent4">
+            <a:lumMod val="20000"/>
+            <a:lumOff val="80000"/>
+          </a:schemeClr>
+        </a:solidFill>
+        <a:effectLst/>
+      </p:bgPr>
+    </p:bg>
+    <p:spTree>
+      <p:nvGrpSpPr>
+        <p:cNvPr id="1" name=""/>
+        <p:cNvGrpSpPr/>
+        <p:nvPr/>
+      </p:nvGrpSpPr>
+      <p:grpSpPr>
+        <a:xfrm>
+          <a:off x="0" y="0"/>
+          <a:ext cx="0" cy="0"/>
+          <a:chOff x="0" y="0"/>
+          <a:chExt cx="0" cy="0"/>
+        </a:xfrm>
+      </p:grpSpPr>
+      <p:sp>
+        <p:nvSpPr>
+          <p:cNvPr id="2" name="CuadroTexto 1">
+            <a:extLst>
+              <a:ext uri="{FF2B5EF4-FFF2-40B4-BE49-F238E27FC236}">
+                <a16:creationId xmlns:a16="http://schemas.microsoft.com/office/drawing/2014/main" id="{D9767846-C831-4640-83E8-3321795EFE33}"/>
+              </a:ext>
+            </a:extLst>
+          </p:cNvPr>
+          <p:cNvSpPr txBox="1"/>
+          <p:nvPr/>
+        </p:nvSpPr>
+        <p:spPr>
+          <a:xfrm>
+            <a:off x="216816" y="122548"/>
+            <a:ext cx="4977353" cy="369332"/>
+          </a:xfrm>
+          <a:prstGeom prst="rect">
+            <a:avLst/>
+          </a:prstGeom>
+        </p:spPr>
+        <p:style>
+          <a:lnRef idx="3">
+            <a:schemeClr val="lt1"/>
+          </a:lnRef>
+          <a:fillRef idx="1">
+            <a:schemeClr val="accent4"/>
+          </a:fillRef>
+          <a:effectRef idx="1">
+            <a:schemeClr val="accent4"/>
+          </a:effectRef>
+          <a:fontRef idx="minor">
+            <a:schemeClr val="lt1"/>
+          </a:fontRef>
+        </p:style>
+        <p:txBody>
+          <a:bodyPr wrap="square" rtlCol="0">
+            <a:spAutoFit/>
+          </a:bodyPr>
+          <a:lstStyle/>
+          <a:p>
+            <a:r>
+              <a:rPr lang="en-GB" dirty="0"/>
+              <a:t>SA</a:t>
+            </a:r>
+          </a:p>
+        </p:txBody>
+      </p:sp>
+      <p:sp>
+        <p:nvSpPr>
+          <p:cNvPr id="9" name="CuadroTexto 8">
+            <a:extLst>
+              <a:ext uri="{FF2B5EF4-FFF2-40B4-BE49-F238E27FC236}">
+                <a16:creationId xmlns:a16="http://schemas.microsoft.com/office/drawing/2014/main" id="{92FB0A1B-A0F3-47CA-9F59-E02B8F788A66}"/>
+              </a:ext>
+            </a:extLst>
+          </p:cNvPr>
+          <p:cNvSpPr txBox="1"/>
+          <p:nvPr/>
+        </p:nvSpPr>
+        <p:spPr>
+          <a:xfrm>
+            <a:off x="5410986" y="122548"/>
+            <a:ext cx="3016577" cy="369332"/>
+          </a:xfrm>
+          <a:prstGeom prst="rect">
+            <a:avLst/>
+          </a:prstGeom>
+          <a:noFill/>
+        </p:spPr>
+        <p:txBody>
+          <a:bodyPr wrap="square" rtlCol="0">
+            <a:spAutoFit/>
+          </a:bodyPr>
+          <a:lstStyle/>
+          <a:p>
+            <a:r>
+              <a:rPr lang="en-GB" b="1" dirty="0"/>
+              <a:t>MONTHLY STRUCTURE </a:t>
+            </a:r>
+          </a:p>
+        </p:txBody>
+      </p:sp>
+      <p:pic>
+        <p:nvPicPr>
+          <p:cNvPr id="8" name="Imagen 7">
+            <a:extLst>
+              <a:ext uri="{FF2B5EF4-FFF2-40B4-BE49-F238E27FC236}">
+                <a16:creationId xmlns:a16="http://schemas.microsoft.com/office/drawing/2014/main" id="{7C9AAFDC-1983-47B9-9E5C-71C7B16CE3FB}"/>
+              </a:ext>
+            </a:extLst>
+          </p:cNvPr>
+          <p:cNvPicPr>
+            <a:picLocks noChangeAspect="1"/>
+          </p:cNvPicPr>
+          <p:nvPr/>
+        </p:nvPicPr>
+        <p:blipFill>
+          <a:blip r:embed="rId2"/>
+          <a:stretch>
+            <a:fillRect/>
+          </a:stretch>
+        </p:blipFill>
+        <p:spPr>
+          <a:xfrm>
+            <a:off x="75416" y="1051556"/>
+            <a:ext cx="4977353" cy="3146062"/>
+          </a:xfrm>
+          <a:prstGeom prst="rect">
+            <a:avLst/>
+          </a:prstGeom>
+        </p:spPr>
+      </p:pic>
+      <p:pic>
+        <p:nvPicPr>
+          <p:cNvPr id="20" name="Imagen 19">
+            <a:extLst>
+              <a:ext uri="{FF2B5EF4-FFF2-40B4-BE49-F238E27FC236}">
+                <a16:creationId xmlns:a16="http://schemas.microsoft.com/office/drawing/2014/main" id="{118D5B0B-1DB0-4CA0-B33E-52D381016821}"/>
+              </a:ext>
+            </a:extLst>
+          </p:cNvPr>
+          <p:cNvPicPr>
+            <a:picLocks noChangeAspect="1"/>
+          </p:cNvPicPr>
+          <p:nvPr/>
+        </p:nvPicPr>
+        <p:blipFill>
+          <a:blip r:embed="rId3"/>
+          <a:stretch>
+            <a:fillRect/>
+          </a:stretch>
+        </p:blipFill>
+        <p:spPr>
+          <a:xfrm>
+            <a:off x="5052769" y="1051556"/>
+            <a:ext cx="7061264" cy="3173162"/>
+          </a:xfrm>
+          <a:prstGeom prst="rect">
+            <a:avLst/>
+          </a:prstGeom>
+        </p:spPr>
+      </p:pic>
+    </p:spTree>
+    <p:extLst>
+      <p:ext uri="{BB962C8B-B14F-4D97-AF65-F5344CB8AC3E}">
+        <p14:creationId xmlns:p14="http://schemas.microsoft.com/office/powerpoint/2010/main" val="2732196575"/>
+      </p:ext>
+    </p:extLst>
+  </p:cSld>
+  <p:clrMapOvr>
+    <a:masterClrMapping/>
+  </p:clrMapOvr>
+</p:sld>
+</file>
+
+<file path=ppt/slides/slide16.xml><?xml version="1.0" encoding="utf-8"?>
+<p:sld xmlns:a="http://schemas.openxmlformats.org/drawingml/2006/main" xmlns:r="http://schemas.openxmlformats.org/officeDocument/2006/relationships" xmlns:p="http://schemas.openxmlformats.org/presentationml/2006/main">
+  <p:cSld>
+    <p:bg>
+      <p:bgPr>
+        <a:solidFill>
+          <a:schemeClr val="accent4">
+            <a:lumMod val="20000"/>
+            <a:lumOff val="80000"/>
+          </a:schemeClr>
+        </a:solidFill>
+        <a:effectLst/>
+      </p:bgPr>
+    </p:bg>
+    <p:spTree>
+      <p:nvGrpSpPr>
+        <p:cNvPr id="1" name=""/>
+        <p:cNvGrpSpPr/>
+        <p:nvPr/>
+      </p:nvGrpSpPr>
+      <p:grpSpPr>
+        <a:xfrm>
+          <a:off x="0" y="0"/>
+          <a:ext cx="0" cy="0"/>
+          <a:chOff x="0" y="0"/>
+          <a:chExt cx="0" cy="0"/>
+        </a:xfrm>
+      </p:grpSpPr>
+      <p:sp>
+        <p:nvSpPr>
+          <p:cNvPr id="2" name="CuadroTexto 1">
+            <a:extLst>
+              <a:ext uri="{FF2B5EF4-FFF2-40B4-BE49-F238E27FC236}">
+                <a16:creationId xmlns:a16="http://schemas.microsoft.com/office/drawing/2014/main" id="{D9767846-C831-4640-83E8-3321795EFE33}"/>
+              </a:ext>
+            </a:extLst>
+          </p:cNvPr>
+          <p:cNvSpPr txBox="1"/>
+          <p:nvPr/>
+        </p:nvSpPr>
+        <p:spPr>
+          <a:xfrm>
+            <a:off x="216816" y="122548"/>
+            <a:ext cx="4977353" cy="369332"/>
+          </a:xfrm>
+          <a:prstGeom prst="rect">
+            <a:avLst/>
+          </a:prstGeom>
+        </p:spPr>
+        <p:style>
+          <a:lnRef idx="3">
+            <a:schemeClr val="lt1"/>
+          </a:lnRef>
+          <a:fillRef idx="1">
+            <a:schemeClr val="accent4"/>
+          </a:fillRef>
+          <a:effectRef idx="1">
+            <a:schemeClr val="accent4"/>
+          </a:effectRef>
+          <a:fontRef idx="minor">
+            <a:schemeClr val="lt1"/>
+          </a:fontRef>
+        </p:style>
+        <p:txBody>
+          <a:bodyPr wrap="square" rtlCol="0">
+            <a:spAutoFit/>
+          </a:bodyPr>
+          <a:lstStyle/>
+          <a:p>
+            <a:r>
+              <a:rPr lang="en-GB" dirty="0"/>
+              <a:t>SA</a:t>
+            </a:r>
+          </a:p>
+        </p:txBody>
+      </p:sp>
+      <p:sp>
+        <p:nvSpPr>
+          <p:cNvPr id="9" name="CuadroTexto 8">
+            <a:extLst>
+              <a:ext uri="{FF2B5EF4-FFF2-40B4-BE49-F238E27FC236}">
+                <a16:creationId xmlns:a16="http://schemas.microsoft.com/office/drawing/2014/main" id="{92FB0A1B-A0F3-47CA-9F59-E02B8F788A66}"/>
+              </a:ext>
+            </a:extLst>
+          </p:cNvPr>
+          <p:cNvSpPr txBox="1"/>
+          <p:nvPr/>
+        </p:nvSpPr>
+        <p:spPr>
+          <a:xfrm>
+            <a:off x="5410986" y="122548"/>
+            <a:ext cx="3016577" cy="369332"/>
+          </a:xfrm>
+          <a:prstGeom prst="rect">
+            <a:avLst/>
+          </a:prstGeom>
+          <a:noFill/>
+        </p:spPr>
+        <p:txBody>
+          <a:bodyPr wrap="square" rtlCol="0">
+            <a:spAutoFit/>
+          </a:bodyPr>
+          <a:lstStyle/>
+          <a:p>
+            <a:r>
+              <a:rPr lang="en-GB" b="1" dirty="0"/>
+              <a:t>MONTHLY STRUCTURE </a:t>
+            </a:r>
+          </a:p>
+        </p:txBody>
+      </p:sp>
+      <p:pic>
+        <p:nvPicPr>
+          <p:cNvPr id="10" name="Imagen 9">
+            <a:extLst>
+              <a:ext uri="{FF2B5EF4-FFF2-40B4-BE49-F238E27FC236}">
+                <a16:creationId xmlns:a16="http://schemas.microsoft.com/office/drawing/2014/main" id="{068D008A-6064-40A0-8F37-3B35BF85B9A6}"/>
+              </a:ext>
+            </a:extLst>
+          </p:cNvPr>
+          <p:cNvPicPr>
+            <a:picLocks noChangeAspect="1"/>
+          </p:cNvPicPr>
+          <p:nvPr/>
+        </p:nvPicPr>
+        <p:blipFill>
+          <a:blip r:embed="rId2"/>
+          <a:stretch>
+            <a:fillRect/>
+          </a:stretch>
+        </p:blipFill>
+        <p:spPr>
+          <a:xfrm>
+            <a:off x="345293" y="1181381"/>
+            <a:ext cx="10577777" cy="4495238"/>
+          </a:xfrm>
+          <a:prstGeom prst="rect">
+            <a:avLst/>
+          </a:prstGeom>
+        </p:spPr>
+      </p:pic>
+    </p:spTree>
+    <p:extLst>
+      <p:ext uri="{BB962C8B-B14F-4D97-AF65-F5344CB8AC3E}">
+        <p14:creationId xmlns:p14="http://schemas.microsoft.com/office/powerpoint/2010/main" val="3024989714"/>
+      </p:ext>
+    </p:extLst>
+  </p:cSld>
+  <p:clrMapOvr>
+    <a:masterClrMapping/>
+  </p:clrMapOvr>
+</p:sld>
+</file>
+
+<file path=ppt/slides/slide17.xml><?xml version="1.0" encoding="utf-8"?>
+<p:sld xmlns:a="http://schemas.openxmlformats.org/drawingml/2006/main" xmlns:r="http://schemas.openxmlformats.org/officeDocument/2006/relationships" xmlns:p="http://schemas.openxmlformats.org/presentationml/2006/main">
+  <p:cSld>
+    <p:bg>
+      <p:bgPr>
+        <a:solidFill>
+          <a:schemeClr val="accent4">
+            <a:lumMod val="20000"/>
+            <a:lumOff val="80000"/>
+          </a:schemeClr>
+        </a:solidFill>
+        <a:effectLst/>
+      </p:bgPr>
+    </p:bg>
+    <p:spTree>
+      <p:nvGrpSpPr>
+        <p:cNvPr id="1" name=""/>
+        <p:cNvGrpSpPr/>
+        <p:nvPr/>
+      </p:nvGrpSpPr>
+      <p:grpSpPr>
+        <a:xfrm>
+          <a:off x="0" y="0"/>
+          <a:ext cx="0" cy="0"/>
+          <a:chOff x="0" y="0"/>
+          <a:chExt cx="0" cy="0"/>
+        </a:xfrm>
+      </p:grpSpPr>
+      <p:sp>
+        <p:nvSpPr>
+          <p:cNvPr id="2" name="CuadroTexto 1">
+            <a:extLst>
+              <a:ext uri="{FF2B5EF4-FFF2-40B4-BE49-F238E27FC236}">
+                <a16:creationId xmlns:a16="http://schemas.microsoft.com/office/drawing/2014/main" id="{D9767846-C831-4640-83E8-3321795EFE33}"/>
+              </a:ext>
+            </a:extLst>
+          </p:cNvPr>
+          <p:cNvSpPr txBox="1"/>
+          <p:nvPr/>
+        </p:nvSpPr>
+        <p:spPr>
+          <a:xfrm>
+            <a:off x="216816" y="122548"/>
+            <a:ext cx="4977353" cy="369332"/>
+          </a:xfrm>
+          <a:prstGeom prst="rect">
+            <a:avLst/>
+          </a:prstGeom>
+        </p:spPr>
+        <p:style>
+          <a:lnRef idx="3">
+            <a:schemeClr val="lt1"/>
+          </a:lnRef>
+          <a:fillRef idx="1">
+            <a:schemeClr val="accent4"/>
+          </a:fillRef>
+          <a:effectRef idx="1">
+            <a:schemeClr val="accent4"/>
+          </a:effectRef>
+          <a:fontRef idx="minor">
+            <a:schemeClr val="lt1"/>
+          </a:fontRef>
+        </p:style>
+        <p:txBody>
+          <a:bodyPr wrap="square" rtlCol="0">
+            <a:spAutoFit/>
+          </a:bodyPr>
+          <a:lstStyle/>
+          <a:p>
+            <a:r>
+              <a:rPr lang="en-GB" dirty="0"/>
+              <a:t>SA</a:t>
+            </a:r>
+          </a:p>
+        </p:txBody>
+      </p:sp>
+      <p:sp>
+        <p:nvSpPr>
+          <p:cNvPr id="9" name="CuadroTexto 8">
+            <a:extLst>
+              <a:ext uri="{FF2B5EF4-FFF2-40B4-BE49-F238E27FC236}">
+                <a16:creationId xmlns:a16="http://schemas.microsoft.com/office/drawing/2014/main" id="{92FB0A1B-A0F3-47CA-9F59-E02B8F788A66}"/>
+              </a:ext>
+            </a:extLst>
+          </p:cNvPr>
+          <p:cNvSpPr txBox="1"/>
+          <p:nvPr/>
+        </p:nvSpPr>
+        <p:spPr>
+          <a:xfrm>
+            <a:off x="5410986" y="122548"/>
+            <a:ext cx="3016577" cy="369332"/>
+          </a:xfrm>
+          <a:prstGeom prst="rect">
+            <a:avLst/>
+          </a:prstGeom>
+          <a:noFill/>
+        </p:spPr>
+        <p:txBody>
+          <a:bodyPr wrap="square" rtlCol="0">
+            <a:spAutoFit/>
+          </a:bodyPr>
+          <a:lstStyle/>
+          <a:p>
+            <a:r>
+              <a:rPr lang="en-GB" b="1" dirty="0"/>
               <a:t>SEASONAL STRUCTURE </a:t>
             </a:r>
           </a:p>
@@ -5031,7 +5612,212 @@
 </p:sld>
 </file>
 
-<file path=ppt/slides/slide15.xml><?xml version="1.0" encoding="utf-8"?>
+<file path=ppt/slides/slide18.xml><?xml version="1.0" encoding="utf-8"?>
+<p:sld xmlns:a="http://schemas.openxmlformats.org/drawingml/2006/main" xmlns:r="http://schemas.openxmlformats.org/officeDocument/2006/relationships" xmlns:p="http://schemas.openxmlformats.org/presentationml/2006/main">
+  <p:cSld>
+    <p:bg>
+      <p:bgPr>
+        <a:solidFill>
+          <a:schemeClr val="accent4">
+            <a:lumMod val="20000"/>
+            <a:lumOff val="80000"/>
+          </a:schemeClr>
+        </a:solidFill>
+        <a:effectLst/>
+      </p:bgPr>
+    </p:bg>
+    <p:spTree>
+      <p:nvGrpSpPr>
+        <p:cNvPr id="1" name=""/>
+        <p:cNvGrpSpPr/>
+        <p:nvPr/>
+      </p:nvGrpSpPr>
+      <p:grpSpPr>
+        <a:xfrm>
+          <a:off x="0" y="0"/>
+          <a:ext cx="0" cy="0"/>
+          <a:chOff x="0" y="0"/>
+          <a:chExt cx="0" cy="0"/>
+        </a:xfrm>
+      </p:grpSpPr>
+      <p:sp>
+        <p:nvSpPr>
+          <p:cNvPr id="2" name="CuadroTexto 1">
+            <a:extLst>
+              <a:ext uri="{FF2B5EF4-FFF2-40B4-BE49-F238E27FC236}">
+                <a16:creationId xmlns:a16="http://schemas.microsoft.com/office/drawing/2014/main" id="{D9767846-C831-4640-83E8-3321795EFE33}"/>
+              </a:ext>
+            </a:extLst>
+          </p:cNvPr>
+          <p:cNvSpPr txBox="1"/>
+          <p:nvPr/>
+        </p:nvSpPr>
+        <p:spPr>
+          <a:xfrm>
+            <a:off x="216816" y="122548"/>
+            <a:ext cx="4977353" cy="369332"/>
+          </a:xfrm>
+          <a:prstGeom prst="rect">
+            <a:avLst/>
+          </a:prstGeom>
+        </p:spPr>
+        <p:style>
+          <a:lnRef idx="3">
+            <a:schemeClr val="lt1"/>
+          </a:lnRef>
+          <a:fillRef idx="1">
+            <a:schemeClr val="accent4"/>
+          </a:fillRef>
+          <a:effectRef idx="1">
+            <a:schemeClr val="accent4"/>
+          </a:effectRef>
+          <a:fontRef idx="minor">
+            <a:schemeClr val="lt1"/>
+          </a:fontRef>
+        </p:style>
+        <p:txBody>
+          <a:bodyPr wrap="square" rtlCol="0">
+            <a:spAutoFit/>
+          </a:bodyPr>
+          <a:lstStyle/>
+          <a:p>
+            <a:r>
+              <a:rPr lang="en-GB" dirty="0"/>
+              <a:t>SA</a:t>
+            </a:r>
+          </a:p>
+        </p:txBody>
+      </p:sp>
+      <p:sp>
+        <p:nvSpPr>
+          <p:cNvPr id="9" name="CuadroTexto 8">
+            <a:extLst>
+              <a:ext uri="{FF2B5EF4-FFF2-40B4-BE49-F238E27FC236}">
+                <a16:creationId xmlns:a16="http://schemas.microsoft.com/office/drawing/2014/main" id="{92FB0A1B-A0F3-47CA-9F59-E02B8F788A66}"/>
+              </a:ext>
+            </a:extLst>
+          </p:cNvPr>
+          <p:cNvSpPr txBox="1"/>
+          <p:nvPr/>
+        </p:nvSpPr>
+        <p:spPr>
+          <a:xfrm>
+            <a:off x="5410986" y="122548"/>
+            <a:ext cx="3016577" cy="369332"/>
+          </a:xfrm>
+          <a:prstGeom prst="rect">
+            <a:avLst/>
+          </a:prstGeom>
+          <a:noFill/>
+        </p:spPr>
+        <p:txBody>
+          <a:bodyPr wrap="square" rtlCol="0">
+            <a:spAutoFit/>
+          </a:bodyPr>
+          <a:lstStyle/>
+          <a:p>
+            <a:r>
+              <a:rPr lang="en-GB" b="1" dirty="0"/>
+              <a:t>SUPERATIONS</a:t>
+            </a:r>
+          </a:p>
+        </p:txBody>
+      </p:sp>
+      <p:sp>
+        <p:nvSpPr>
+          <p:cNvPr id="5" name="CuadroTexto 4">
+            <a:extLst>
+              <a:ext uri="{FF2B5EF4-FFF2-40B4-BE49-F238E27FC236}">
+                <a16:creationId xmlns:a16="http://schemas.microsoft.com/office/drawing/2014/main" id="{3CC42998-4CD7-4542-A2A7-F72048412464}"/>
+              </a:ext>
+            </a:extLst>
+          </p:cNvPr>
+          <p:cNvSpPr txBox="1"/>
+          <p:nvPr/>
+        </p:nvSpPr>
+        <p:spPr>
+          <a:xfrm>
+            <a:off x="1042070" y="4876800"/>
+            <a:ext cx="5820548" cy="646331"/>
+          </a:xfrm>
+          <a:prstGeom prst="rect">
+            <a:avLst/>
+          </a:prstGeom>
+          <a:noFill/>
+        </p:spPr>
+        <p:txBody>
+          <a:bodyPr wrap="square" rtlCol="0">
+            <a:spAutoFit/>
+          </a:bodyPr>
+          <a:lstStyle/>
+          <a:p>
+            <a:r>
+              <a:rPr lang="en-GB" dirty="0"/>
+              <a:t>Percentages above represent the percentage of days per season which </a:t>
+            </a:r>
+            <a:r>
+              <a:rPr lang="en-GB" dirty="0" err="1"/>
+              <a:t>superate</a:t>
+            </a:r>
+            <a:r>
+              <a:rPr lang="en-GB" dirty="0"/>
+              <a:t> the </a:t>
+            </a:r>
+            <a:r>
+              <a:rPr lang="en-GB" dirty="0" err="1"/>
+              <a:t>wHO</a:t>
+            </a:r>
+            <a:r>
+              <a:rPr lang="en-GB" dirty="0"/>
+              <a:t> limit.</a:t>
+            </a:r>
+          </a:p>
+        </p:txBody>
+      </p:sp>
+      <p:pic>
+        <p:nvPicPr>
+          <p:cNvPr id="8" name="Imagen 7">
+            <a:extLst>
+              <a:ext uri="{FF2B5EF4-FFF2-40B4-BE49-F238E27FC236}">
+                <a16:creationId xmlns:a16="http://schemas.microsoft.com/office/drawing/2014/main" id="{1C67E64D-B710-4991-BC0A-B7FF7175075F}"/>
+              </a:ext>
+            </a:extLst>
+          </p:cNvPr>
+          <p:cNvPicPr>
+            <a:picLocks noChangeAspect="1"/>
+          </p:cNvPicPr>
+          <p:nvPr/>
+        </p:nvPicPr>
+        <p:blipFill>
+          <a:blip r:embed="rId2"/>
+          <a:stretch>
+            <a:fillRect/>
+          </a:stretch>
+        </p:blipFill>
+        <p:spPr>
+          <a:xfrm>
+            <a:off x="899106" y="940292"/>
+            <a:ext cx="4685714" cy="3936508"/>
+          </a:xfrm>
+          <a:prstGeom prst="rect">
+            <a:avLst/>
+          </a:prstGeom>
+        </p:spPr>
+      </p:pic>
+    </p:spTree>
+    <p:extLst>
+      <p:ext uri="{BB962C8B-B14F-4D97-AF65-F5344CB8AC3E}">
+        <p14:creationId xmlns:p14="http://schemas.microsoft.com/office/powerpoint/2010/main" val="2322621355"/>
+      </p:ext>
+    </p:extLst>
+  </p:cSld>
+  <p:clrMapOvr>
+    <a:masterClrMapping/>
+  </p:clrMapOvr>
+</p:sld>
+</file>
+
+<file path=ppt/slides/slide19.xml><?xml version="1.0" encoding="utf-8"?>
 <p:sld xmlns:a="http://schemas.openxmlformats.org/drawingml/2006/main" xmlns:r="http://schemas.openxmlformats.org/officeDocument/2006/relationships" xmlns:p="http://schemas.openxmlformats.org/presentationml/2006/main">
   <p:cSld>
     <p:bg>
@@ -5137,11 +5923,41 @@
           <a:p>
             <a:r>
               <a:rPr lang="en-GB" b="1" dirty="0"/>
-              <a:t>SEASONAL STRUCTURE </a:t>
-            </a:r>
-          </a:p>
-        </p:txBody>
-      </p:sp>
+              <a:t>TIME SERIES</a:t>
+            </a:r>
+          </a:p>
+        </p:txBody>
+      </p:sp>
+      <p:pic>
+        <p:nvPicPr>
+          <p:cNvPr id="4" name="Imagen 3">
+            <a:extLst>
+              <a:ext uri="{FF2B5EF4-FFF2-40B4-BE49-F238E27FC236}">
+                <a16:creationId xmlns:a16="http://schemas.microsoft.com/office/drawing/2014/main" id="{622799C9-284A-4ED0-B6EB-36971FB4DF1E}"/>
+              </a:ext>
+            </a:extLst>
+          </p:cNvPr>
+          <p:cNvPicPr>
+            <a:picLocks noChangeAspect="1"/>
+          </p:cNvPicPr>
+          <p:nvPr/>
+        </p:nvPicPr>
+        <p:blipFill>
+          <a:blip r:embed="rId2"/>
+          <a:stretch>
+            <a:fillRect/>
+          </a:stretch>
+        </p:blipFill>
+        <p:spPr>
+          <a:xfrm>
+            <a:off x="291702" y="631938"/>
+            <a:ext cx="11355353" cy="6035514"/>
+          </a:xfrm>
+          <a:prstGeom prst="rect">
+            <a:avLst/>
+          </a:prstGeom>
+        </p:spPr>
+      </p:pic>
     </p:spTree>
     <p:extLst>
       <p:ext uri="{BB962C8B-B14F-4D97-AF65-F5344CB8AC3E}">
@@ -5330,6 +6146,656 @@
     <p:extLst>
       <p:ext uri="{BB962C8B-B14F-4D97-AF65-F5344CB8AC3E}">
         <p14:creationId xmlns:p14="http://schemas.microsoft.com/office/powerpoint/2010/main" val="3774514816"/>
+      </p:ext>
+    </p:extLst>
+  </p:cSld>
+  <p:clrMapOvr>
+    <a:masterClrMapping/>
+  </p:clrMapOvr>
+</p:sld>
+</file>
+
+<file path=ppt/slides/slide20.xml><?xml version="1.0" encoding="utf-8"?>
+<p:sld xmlns:a="http://schemas.openxmlformats.org/drawingml/2006/main" xmlns:r="http://schemas.openxmlformats.org/officeDocument/2006/relationships" xmlns:p="http://schemas.openxmlformats.org/presentationml/2006/main">
+  <p:cSld>
+    <p:bg>
+      <p:bgPr>
+        <a:solidFill>
+          <a:schemeClr val="accent1">
+            <a:lumMod val="20000"/>
+            <a:lumOff val="80000"/>
+          </a:schemeClr>
+        </a:solidFill>
+        <a:effectLst/>
+      </p:bgPr>
+    </p:bg>
+    <p:spTree>
+      <p:nvGrpSpPr>
+        <p:cNvPr id="1" name=""/>
+        <p:cNvGrpSpPr/>
+        <p:nvPr/>
+      </p:nvGrpSpPr>
+      <p:grpSpPr>
+        <a:xfrm>
+          <a:off x="0" y="0"/>
+          <a:ext cx="0" cy="0"/>
+          <a:chOff x="0" y="0"/>
+          <a:chExt cx="0" cy="0"/>
+        </a:xfrm>
+      </p:grpSpPr>
+      <p:sp>
+        <p:nvSpPr>
+          <p:cNvPr id="2" name="CuadroTexto 1">
+            <a:extLst>
+              <a:ext uri="{FF2B5EF4-FFF2-40B4-BE49-F238E27FC236}">
+                <a16:creationId xmlns:a16="http://schemas.microsoft.com/office/drawing/2014/main" id="{D9767846-C831-4640-83E8-3321795EFE33}"/>
+              </a:ext>
+            </a:extLst>
+          </p:cNvPr>
+          <p:cNvSpPr txBox="1"/>
+          <p:nvPr/>
+        </p:nvSpPr>
+        <p:spPr>
+          <a:xfrm>
+            <a:off x="216816" y="122548"/>
+            <a:ext cx="4977353" cy="369332"/>
+          </a:xfrm>
+          <a:prstGeom prst="rect">
+            <a:avLst/>
+          </a:prstGeom>
+        </p:spPr>
+        <p:style>
+          <a:lnRef idx="3">
+            <a:schemeClr val="lt1"/>
+          </a:lnRef>
+          <a:fillRef idx="1">
+            <a:schemeClr val="accent1"/>
+          </a:fillRef>
+          <a:effectRef idx="1">
+            <a:schemeClr val="accent1"/>
+          </a:effectRef>
+          <a:fontRef idx="minor">
+            <a:schemeClr val="lt1"/>
+          </a:fontRef>
+        </p:style>
+        <p:txBody>
+          <a:bodyPr wrap="square" rtlCol="0">
+            <a:spAutoFit/>
+          </a:bodyPr>
+          <a:lstStyle/>
+          <a:p>
+            <a:r>
+              <a:rPr lang="en-GB" dirty="0"/>
+              <a:t>IONS</a:t>
+            </a:r>
+          </a:p>
+        </p:txBody>
+      </p:sp>
+      <p:sp>
+        <p:nvSpPr>
+          <p:cNvPr id="9" name="CuadroTexto 8">
+            <a:extLst>
+              <a:ext uri="{FF2B5EF4-FFF2-40B4-BE49-F238E27FC236}">
+                <a16:creationId xmlns:a16="http://schemas.microsoft.com/office/drawing/2014/main" id="{92FB0A1B-A0F3-47CA-9F59-E02B8F788A66}"/>
+              </a:ext>
+            </a:extLst>
+          </p:cNvPr>
+          <p:cNvSpPr txBox="1"/>
+          <p:nvPr/>
+        </p:nvSpPr>
+        <p:spPr>
+          <a:xfrm>
+            <a:off x="5410986" y="122548"/>
+            <a:ext cx="3016577" cy="369332"/>
+          </a:xfrm>
+          <a:prstGeom prst="rect">
+            <a:avLst/>
+          </a:prstGeom>
+          <a:noFill/>
+        </p:spPr>
+        <p:txBody>
+          <a:bodyPr wrap="square" rtlCol="0">
+            <a:spAutoFit/>
+          </a:bodyPr>
+          <a:lstStyle/>
+          <a:p>
+            <a:r>
+              <a:rPr lang="en-GB" b="1" dirty="0"/>
+              <a:t>TIME SERIES</a:t>
+            </a:r>
+          </a:p>
+        </p:txBody>
+      </p:sp>
+      <p:pic>
+        <p:nvPicPr>
+          <p:cNvPr id="5" name="Imagen 4">
+            <a:extLst>
+              <a:ext uri="{FF2B5EF4-FFF2-40B4-BE49-F238E27FC236}">
+                <a16:creationId xmlns:a16="http://schemas.microsoft.com/office/drawing/2014/main" id="{84BCD59D-4BDB-466B-8C90-7C14022C133E}"/>
+              </a:ext>
+            </a:extLst>
+          </p:cNvPr>
+          <p:cNvPicPr>
+            <a:picLocks noChangeAspect="1"/>
+          </p:cNvPicPr>
+          <p:nvPr/>
+        </p:nvPicPr>
+        <p:blipFill>
+          <a:blip r:embed="rId2"/>
+          <a:stretch>
+            <a:fillRect/>
+          </a:stretch>
+        </p:blipFill>
+        <p:spPr>
+          <a:xfrm>
+            <a:off x="216816" y="673330"/>
+            <a:ext cx="6257675" cy="6062122"/>
+          </a:xfrm>
+          <a:prstGeom prst="rect">
+            <a:avLst/>
+          </a:prstGeom>
+        </p:spPr>
+      </p:pic>
+    </p:spTree>
+    <p:extLst>
+      <p:ext uri="{BB962C8B-B14F-4D97-AF65-F5344CB8AC3E}">
+        <p14:creationId xmlns:p14="http://schemas.microsoft.com/office/powerpoint/2010/main" val="1081615663"/>
+      </p:ext>
+    </p:extLst>
+  </p:cSld>
+  <p:clrMapOvr>
+    <a:masterClrMapping/>
+  </p:clrMapOvr>
+</p:sld>
+</file>
+
+<file path=ppt/slides/slide21.xml><?xml version="1.0" encoding="utf-8"?>
+<p:sld xmlns:a="http://schemas.openxmlformats.org/drawingml/2006/main" xmlns:r="http://schemas.openxmlformats.org/officeDocument/2006/relationships" xmlns:p="http://schemas.openxmlformats.org/presentationml/2006/main">
+  <p:cSld>
+    <p:bg>
+      <p:bgPr>
+        <a:solidFill>
+          <a:schemeClr val="accent1">
+            <a:lumMod val="20000"/>
+            <a:lumOff val="80000"/>
+          </a:schemeClr>
+        </a:solidFill>
+        <a:effectLst/>
+      </p:bgPr>
+    </p:bg>
+    <p:spTree>
+      <p:nvGrpSpPr>
+        <p:cNvPr id="1" name=""/>
+        <p:cNvGrpSpPr/>
+        <p:nvPr/>
+      </p:nvGrpSpPr>
+      <p:grpSpPr>
+        <a:xfrm>
+          <a:off x="0" y="0"/>
+          <a:ext cx="0" cy="0"/>
+          <a:chOff x="0" y="0"/>
+          <a:chExt cx="0" cy="0"/>
+        </a:xfrm>
+      </p:grpSpPr>
+      <p:sp>
+        <p:nvSpPr>
+          <p:cNvPr id="2" name="CuadroTexto 1">
+            <a:extLst>
+              <a:ext uri="{FF2B5EF4-FFF2-40B4-BE49-F238E27FC236}">
+                <a16:creationId xmlns:a16="http://schemas.microsoft.com/office/drawing/2014/main" id="{D9767846-C831-4640-83E8-3321795EFE33}"/>
+              </a:ext>
+            </a:extLst>
+          </p:cNvPr>
+          <p:cNvSpPr txBox="1"/>
+          <p:nvPr/>
+        </p:nvSpPr>
+        <p:spPr>
+          <a:xfrm>
+            <a:off x="216816" y="122548"/>
+            <a:ext cx="4977353" cy="369332"/>
+          </a:xfrm>
+          <a:prstGeom prst="rect">
+            <a:avLst/>
+          </a:prstGeom>
+        </p:spPr>
+        <p:style>
+          <a:lnRef idx="3">
+            <a:schemeClr val="lt1"/>
+          </a:lnRef>
+          <a:fillRef idx="1">
+            <a:schemeClr val="accent1"/>
+          </a:fillRef>
+          <a:effectRef idx="1">
+            <a:schemeClr val="accent1"/>
+          </a:effectRef>
+          <a:fontRef idx="minor">
+            <a:schemeClr val="lt1"/>
+          </a:fontRef>
+        </p:style>
+        <p:txBody>
+          <a:bodyPr wrap="square" rtlCol="0">
+            <a:spAutoFit/>
+          </a:bodyPr>
+          <a:lstStyle/>
+          <a:p>
+            <a:r>
+              <a:rPr lang="en-GB" dirty="0"/>
+              <a:t>IONS</a:t>
+            </a:r>
+          </a:p>
+        </p:txBody>
+      </p:sp>
+      <p:sp>
+        <p:nvSpPr>
+          <p:cNvPr id="9" name="CuadroTexto 8">
+            <a:extLst>
+              <a:ext uri="{FF2B5EF4-FFF2-40B4-BE49-F238E27FC236}">
+                <a16:creationId xmlns:a16="http://schemas.microsoft.com/office/drawing/2014/main" id="{92FB0A1B-A0F3-47CA-9F59-E02B8F788A66}"/>
+              </a:ext>
+            </a:extLst>
+          </p:cNvPr>
+          <p:cNvSpPr txBox="1"/>
+          <p:nvPr/>
+        </p:nvSpPr>
+        <p:spPr>
+          <a:xfrm>
+            <a:off x="5410986" y="122548"/>
+            <a:ext cx="3016577" cy="369332"/>
+          </a:xfrm>
+          <a:prstGeom prst="rect">
+            <a:avLst/>
+          </a:prstGeom>
+          <a:noFill/>
+        </p:spPr>
+        <p:txBody>
+          <a:bodyPr wrap="square" rtlCol="0">
+            <a:spAutoFit/>
+          </a:bodyPr>
+          <a:lstStyle/>
+          <a:p>
+            <a:r>
+              <a:rPr lang="en-GB" b="1" dirty="0"/>
+              <a:t>SEASONAL STRUCTURE </a:t>
+            </a:r>
+          </a:p>
+        </p:txBody>
+      </p:sp>
+    </p:spTree>
+    <p:extLst>
+      <p:ext uri="{BB962C8B-B14F-4D97-AF65-F5344CB8AC3E}">
+        <p14:creationId xmlns:p14="http://schemas.microsoft.com/office/powerpoint/2010/main" val="3084944620"/>
+      </p:ext>
+    </p:extLst>
+  </p:cSld>
+  <p:clrMapOvr>
+    <a:masterClrMapping/>
+  </p:clrMapOvr>
+</p:sld>
+</file>
+
+<file path=ppt/slides/slide22.xml><?xml version="1.0" encoding="utf-8"?>
+<p:sld xmlns:a="http://schemas.openxmlformats.org/drawingml/2006/main" xmlns:r="http://schemas.openxmlformats.org/officeDocument/2006/relationships" xmlns:p="http://schemas.openxmlformats.org/presentationml/2006/main">
+  <p:cSld>
+    <p:bg>
+      <p:bgPr>
+        <a:solidFill>
+          <a:schemeClr val="accent1">
+            <a:lumMod val="20000"/>
+            <a:lumOff val="80000"/>
+          </a:schemeClr>
+        </a:solidFill>
+        <a:effectLst/>
+      </p:bgPr>
+    </p:bg>
+    <p:spTree>
+      <p:nvGrpSpPr>
+        <p:cNvPr id="1" name=""/>
+        <p:cNvGrpSpPr/>
+        <p:nvPr/>
+      </p:nvGrpSpPr>
+      <p:grpSpPr>
+        <a:xfrm>
+          <a:off x="0" y="0"/>
+          <a:ext cx="0" cy="0"/>
+          <a:chOff x="0" y="0"/>
+          <a:chExt cx="0" cy="0"/>
+        </a:xfrm>
+      </p:grpSpPr>
+      <p:sp>
+        <p:nvSpPr>
+          <p:cNvPr id="2" name="CuadroTexto 1">
+            <a:extLst>
+              <a:ext uri="{FF2B5EF4-FFF2-40B4-BE49-F238E27FC236}">
+                <a16:creationId xmlns:a16="http://schemas.microsoft.com/office/drawing/2014/main" id="{D9767846-C831-4640-83E8-3321795EFE33}"/>
+              </a:ext>
+            </a:extLst>
+          </p:cNvPr>
+          <p:cNvSpPr txBox="1"/>
+          <p:nvPr/>
+        </p:nvSpPr>
+        <p:spPr>
+          <a:xfrm>
+            <a:off x="216816" y="122548"/>
+            <a:ext cx="4977353" cy="369332"/>
+          </a:xfrm>
+          <a:prstGeom prst="rect">
+            <a:avLst/>
+          </a:prstGeom>
+        </p:spPr>
+        <p:style>
+          <a:lnRef idx="3">
+            <a:schemeClr val="lt1"/>
+          </a:lnRef>
+          <a:fillRef idx="1">
+            <a:schemeClr val="accent1"/>
+          </a:fillRef>
+          <a:effectRef idx="1">
+            <a:schemeClr val="accent1"/>
+          </a:effectRef>
+          <a:fontRef idx="minor">
+            <a:schemeClr val="lt1"/>
+          </a:fontRef>
+        </p:style>
+        <p:txBody>
+          <a:bodyPr wrap="square" rtlCol="0">
+            <a:spAutoFit/>
+          </a:bodyPr>
+          <a:lstStyle/>
+          <a:p>
+            <a:r>
+              <a:rPr lang="en-GB" dirty="0"/>
+              <a:t>IONS</a:t>
+            </a:r>
+          </a:p>
+        </p:txBody>
+      </p:sp>
+      <p:sp>
+        <p:nvSpPr>
+          <p:cNvPr id="9" name="CuadroTexto 8">
+            <a:extLst>
+              <a:ext uri="{FF2B5EF4-FFF2-40B4-BE49-F238E27FC236}">
+                <a16:creationId xmlns:a16="http://schemas.microsoft.com/office/drawing/2014/main" id="{92FB0A1B-A0F3-47CA-9F59-E02B8F788A66}"/>
+              </a:ext>
+            </a:extLst>
+          </p:cNvPr>
+          <p:cNvSpPr txBox="1"/>
+          <p:nvPr/>
+        </p:nvSpPr>
+        <p:spPr>
+          <a:xfrm>
+            <a:off x="5410986" y="122548"/>
+            <a:ext cx="3016577" cy="369332"/>
+          </a:xfrm>
+          <a:prstGeom prst="rect">
+            <a:avLst/>
+          </a:prstGeom>
+          <a:noFill/>
+        </p:spPr>
+        <p:txBody>
+          <a:bodyPr wrap="square" rtlCol="0">
+            <a:spAutoFit/>
+          </a:bodyPr>
+          <a:lstStyle/>
+          <a:p>
+            <a:r>
+              <a:rPr lang="en-GB" b="1" dirty="0"/>
+              <a:t>SEASONAL STRUCTURE </a:t>
+            </a:r>
+          </a:p>
+        </p:txBody>
+      </p:sp>
+      <p:pic>
+        <p:nvPicPr>
+          <p:cNvPr id="5" name="Imagen 4">
+            <a:extLst>
+              <a:ext uri="{FF2B5EF4-FFF2-40B4-BE49-F238E27FC236}">
+                <a16:creationId xmlns:a16="http://schemas.microsoft.com/office/drawing/2014/main" id="{C2903156-5678-4F4C-BBBC-B1524CEEE534}"/>
+              </a:ext>
+            </a:extLst>
+          </p:cNvPr>
+          <p:cNvPicPr>
+            <a:picLocks noChangeAspect="1"/>
+          </p:cNvPicPr>
+          <p:nvPr/>
+        </p:nvPicPr>
+        <p:blipFill>
+          <a:blip r:embed="rId2"/>
+          <a:stretch>
+            <a:fillRect/>
+          </a:stretch>
+        </p:blipFill>
+        <p:spPr>
+          <a:xfrm>
+            <a:off x="216816" y="1103189"/>
+            <a:ext cx="9295238" cy="1955555"/>
+          </a:xfrm>
+          <a:prstGeom prst="rect">
+            <a:avLst/>
+          </a:prstGeom>
+        </p:spPr>
+      </p:pic>
+      <p:sp>
+        <p:nvSpPr>
+          <p:cNvPr id="7" name="CuadroTexto 6">
+            <a:extLst>
+              <a:ext uri="{FF2B5EF4-FFF2-40B4-BE49-F238E27FC236}">
+                <a16:creationId xmlns:a16="http://schemas.microsoft.com/office/drawing/2014/main" id="{55E8493F-A851-42B8-A3E8-7239C8EC2B03}"/>
+              </a:ext>
+            </a:extLst>
+          </p:cNvPr>
+          <p:cNvSpPr txBox="1"/>
+          <p:nvPr/>
+        </p:nvSpPr>
+        <p:spPr>
+          <a:xfrm>
+            <a:off x="3808429" y="3723486"/>
+            <a:ext cx="8198962" cy="2031325"/>
+          </a:xfrm>
+          <a:prstGeom prst="rect">
+            <a:avLst/>
+          </a:prstGeom>
+          <a:noFill/>
+        </p:spPr>
+        <p:txBody>
+          <a:bodyPr wrap="square">
+            <a:spAutoFit/>
+          </a:bodyPr>
+          <a:lstStyle/>
+          <a:p>
+            <a:r>
+              <a:rPr lang="en-GB" sz="1400" dirty="0"/>
+              <a:t>ratios=</a:t>
+            </a:r>
+            <a:r>
+              <a:rPr lang="en-GB" sz="1400" dirty="0" err="1"/>
+              <a:t>pd.DataFrame</a:t>
+            </a:r>
+            <a:r>
+              <a:rPr lang="en-GB" sz="1400" dirty="0"/>
+              <a:t>()</a:t>
+            </a:r>
+          </a:p>
+          <a:p>
+            <a:r>
+              <a:rPr lang="en-GB" sz="1400" dirty="0"/>
+              <a:t>ratios['dt']=</a:t>
+            </a:r>
+            <a:r>
+              <a:rPr lang="en-GB" sz="1400" dirty="0" err="1"/>
+              <a:t>ions_f</a:t>
+            </a:r>
+            <a:r>
+              <a:rPr lang="en-GB" sz="1400" dirty="0"/>
+              <a:t>['dt']</a:t>
+            </a:r>
+          </a:p>
+          <a:p>
+            <a:r>
+              <a:rPr lang="en-GB" sz="1400" dirty="0"/>
+              <a:t>ratios['</a:t>
+            </a:r>
+            <a:r>
+              <a:rPr lang="en-GB" sz="1400" dirty="0" err="1"/>
+              <a:t>SOA_freshness</a:t>
+            </a:r>
+            <a:r>
+              <a:rPr lang="en-GB" sz="1400" dirty="0"/>
+              <a:t>']=ions['f43']/ions['f44']</a:t>
+            </a:r>
+          </a:p>
+          <a:p>
+            <a:r>
+              <a:rPr lang="en-GB" sz="1400" dirty="0"/>
+              <a:t>ratios['POA_SOA']=(ions['f55']+ions['f57']+ions['f60']+ions['f73'])/(ions['f43']+ions['f44'])</a:t>
+            </a:r>
+          </a:p>
+          <a:p>
+            <a:r>
+              <a:rPr lang="en-GB" sz="1400" dirty="0"/>
+              <a:t>ratios['Traffic']=(ions['f55']+ions['f57'])/(ions['f43']+ions['f44']+ions['f60']+ions['f73']+ions['f55']+ions['f57'])</a:t>
+            </a:r>
+          </a:p>
+          <a:p>
+            <a:r>
+              <a:rPr lang="en-GB" sz="1400" dirty="0"/>
+              <a:t>ratios['BB']=(ions['f60']+ions['f73'])/(ions['f43']+ions['f44']+ions['f60']+ions['f73']+ions['f55']+ions['f57'])</a:t>
+            </a:r>
+          </a:p>
+          <a:p>
+            <a:r>
+              <a:rPr lang="en-GB" sz="1400" dirty="0"/>
+              <a:t>ratios['OC']=0.079+4.31*ions['f44']</a:t>
+            </a:r>
+          </a:p>
+          <a:p>
+            <a:r>
+              <a:rPr lang="en-GB" sz="1400" dirty="0"/>
+              <a:t>ratios['OAOC']=1.29*ratios['OC']+1.17</a:t>
+            </a:r>
+          </a:p>
+          <a:p>
+            <a:r>
+              <a:rPr lang="en-GB" sz="1400" dirty="0"/>
+              <a:t>ratios['</a:t>
+            </a:r>
+            <a:r>
+              <a:rPr lang="en-GB" sz="1400" dirty="0" err="1"/>
+              <a:t>OAOC_nop</a:t>
+            </a:r>
+            <a:r>
+              <a:rPr lang="en-GB" sz="1400" dirty="0"/>
+              <a:t>']=</a:t>
+            </a:r>
+            <a:r>
+              <a:rPr lang="en-GB" sz="1400" dirty="0" err="1"/>
+              <a:t>oa</a:t>
+            </a:r>
+            <a:r>
+              <a:rPr lang="en-GB" sz="1400" dirty="0"/>
+              <a:t>/ratios['OC']</a:t>
+            </a:r>
+          </a:p>
+        </p:txBody>
+      </p:sp>
+    </p:spTree>
+    <p:extLst>
+      <p:ext uri="{BB962C8B-B14F-4D97-AF65-F5344CB8AC3E}">
+        <p14:creationId xmlns:p14="http://schemas.microsoft.com/office/powerpoint/2010/main" val="2115884290"/>
+      </p:ext>
+    </p:extLst>
+  </p:cSld>
+  <p:clrMapOvr>
+    <a:masterClrMapping/>
+  </p:clrMapOvr>
+</p:sld>
+</file>
+
+<file path=ppt/slides/slide23.xml><?xml version="1.0" encoding="utf-8"?>
+<p:sld xmlns:a="http://schemas.openxmlformats.org/drawingml/2006/main" xmlns:r="http://schemas.openxmlformats.org/officeDocument/2006/relationships" xmlns:p="http://schemas.openxmlformats.org/presentationml/2006/main">
+  <p:cSld>
+    <p:spTree>
+      <p:nvGrpSpPr>
+        <p:cNvPr id="1" name=""/>
+        <p:cNvGrpSpPr/>
+        <p:nvPr/>
+      </p:nvGrpSpPr>
+      <p:grpSpPr>
+        <a:xfrm>
+          <a:off x="0" y="0"/>
+          <a:ext cx="0" cy="0"/>
+          <a:chOff x="0" y="0"/>
+          <a:chExt cx="0" cy="0"/>
+        </a:xfrm>
+      </p:grpSpPr>
+      <p:sp>
+        <p:nvSpPr>
+          <p:cNvPr id="2" name="CuadroTexto 1">
+            <a:extLst>
+              <a:ext uri="{FF2B5EF4-FFF2-40B4-BE49-F238E27FC236}">
+                <a16:creationId xmlns:a16="http://schemas.microsoft.com/office/drawing/2014/main" id="{EE34032D-3D50-44AE-81CE-7C6BD99CC22D}"/>
+              </a:ext>
+            </a:extLst>
+          </p:cNvPr>
+          <p:cNvSpPr txBox="1"/>
+          <p:nvPr/>
+        </p:nvSpPr>
+        <p:spPr>
+          <a:xfrm>
+            <a:off x="378691" y="665018"/>
+            <a:ext cx="5116946" cy="1477328"/>
+          </a:xfrm>
+          <a:prstGeom prst="rect">
+            <a:avLst/>
+          </a:prstGeom>
+          <a:noFill/>
+        </p:spPr>
+        <p:txBody>
+          <a:bodyPr wrap="square" rtlCol="0">
+            <a:spAutoFit/>
+          </a:bodyPr>
+          <a:lstStyle/>
+          <a:p>
+            <a:r>
+              <a:rPr lang="en-GB" dirty="0"/>
+              <a:t>Future work:</a:t>
+            </a:r>
+          </a:p>
+          <a:p>
+            <a:endParaRPr lang="en-GB" dirty="0"/>
+          </a:p>
+          <a:p>
+            <a:pPr marL="285750" indent="-285750">
+              <a:buFontTx/>
+              <a:buChar char="-"/>
+            </a:pPr>
+            <a:r>
+              <a:rPr lang="en-GB" dirty="0"/>
+              <a:t>By scenarios</a:t>
+            </a:r>
+          </a:p>
+          <a:p>
+            <a:pPr marL="285750" indent="-285750">
+              <a:buFontTx/>
+              <a:buChar char="-"/>
+            </a:pPr>
+            <a:r>
+              <a:rPr lang="en-GB" dirty="0"/>
+              <a:t>PBL</a:t>
+            </a:r>
+          </a:p>
+          <a:p>
+            <a:pPr marL="285750" indent="-285750">
+              <a:buFontTx/>
+              <a:buChar char="-"/>
+            </a:pPr>
+            <a:endParaRPr lang="en-GB" dirty="0"/>
+          </a:p>
+        </p:txBody>
+      </p:sp>
+    </p:spTree>
+    <p:extLst>
+      <p:ext uri="{BB962C8B-B14F-4D97-AF65-F5344CB8AC3E}">
+        <p14:creationId xmlns:p14="http://schemas.microsoft.com/office/powerpoint/2010/main" val="1098331821"/>
       </p:ext>
     </p:extLst>
   </p:cSld>
@@ -8006,7 +9472,7 @@
     <p:bg>
       <p:bgPr>
         <a:solidFill>
-          <a:schemeClr val="accent2">
+          <a:schemeClr val="accent6">
             <a:lumMod val="20000"/>
             <a:lumOff val="80000"/>
           </a:schemeClr>
@@ -8054,10 +9520,10 @@
             <a:schemeClr val="lt1"/>
           </a:lnRef>
           <a:fillRef idx="1">
-            <a:schemeClr val="accent2"/>
+            <a:schemeClr val="accent6"/>
           </a:fillRef>
           <a:effectRef idx="1">
-            <a:schemeClr val="accent2"/>
+            <a:schemeClr val="accent6"/>
           </a:effectRef>
           <a:fontRef idx="minor">
             <a:schemeClr val="lt1"/>
@@ -8071,7 +9537,7 @@
           <a:p>
             <a:r>
               <a:rPr lang="en-GB" dirty="0"/>
-              <a:t>NR-PM1</a:t>
+              <a:t>SUPERATIONS</a:t>
             </a:r>
           </a:p>
         </p:txBody>
@@ -8106,17 +9572,17 @@
           <a:p>
             <a:r>
               <a:rPr lang="en-GB" b="1" dirty="0"/>
-              <a:t>SUPERATIONS</a:t>
+              <a:t>OCCURRENCE</a:t>
             </a:r>
           </a:p>
         </p:txBody>
       </p:sp>
       <p:pic>
         <p:nvPicPr>
-          <p:cNvPr id="12" name="Imagen 11">
-            <a:extLst>
-              <a:ext uri="{FF2B5EF4-FFF2-40B4-BE49-F238E27FC236}">
-                <a16:creationId xmlns:a16="http://schemas.microsoft.com/office/drawing/2014/main" id="{72D948BE-6357-4E44-A758-5376F7798810}"/>
+          <p:cNvPr id="11" name="Imagen 10">
+            <a:extLst>
+              <a:ext uri="{FF2B5EF4-FFF2-40B4-BE49-F238E27FC236}">
+                <a16:creationId xmlns:a16="http://schemas.microsoft.com/office/drawing/2014/main" id="{78C0AEC0-3935-4AD9-8406-99EFA3BEDD22}"/>
               </a:ext>
             </a:extLst>
           </p:cNvPr>
@@ -8133,8 +9599,8 @@
         </p:blipFill>
         <p:spPr>
           <a:xfrm>
-            <a:off x="8721850" y="5119939"/>
-            <a:ext cx="2167823" cy="1403203"/>
+            <a:off x="270572" y="710064"/>
+            <a:ext cx="7591629" cy="4913962"/>
           </a:xfrm>
           <a:prstGeom prst="rect">
             <a:avLst/>
@@ -8143,10 +9609,10 @@
       </p:pic>
       <p:pic>
         <p:nvPicPr>
-          <p:cNvPr id="24" name="Imagen 23">
-            <a:extLst>
-              <a:ext uri="{FF2B5EF4-FFF2-40B4-BE49-F238E27FC236}">
-                <a16:creationId xmlns:a16="http://schemas.microsoft.com/office/drawing/2014/main" id="{15D41D5B-E589-4659-8F72-E86D49300C7E}"/>
+          <p:cNvPr id="13" name="Imagen 12">
+            <a:extLst>
+              <a:ext uri="{FF2B5EF4-FFF2-40B4-BE49-F238E27FC236}">
+                <a16:creationId xmlns:a16="http://schemas.microsoft.com/office/drawing/2014/main" id="{6957F78D-EDD5-4933-8319-2965A8A3BD6D}"/>
               </a:ext>
             </a:extLst>
           </p:cNvPr>
@@ -8163,8 +9629,8 @@
         </p:blipFill>
         <p:spPr>
           <a:xfrm>
-            <a:off x="6096000" y="710063"/>
-            <a:ext cx="2367229" cy="2178605"/>
+            <a:off x="7862201" y="710064"/>
+            <a:ext cx="3084945" cy="2839133"/>
           </a:xfrm>
           <a:prstGeom prst="rect">
             <a:avLst/>
@@ -8173,10 +9639,10 @@
       </p:pic>
       <p:sp>
         <p:nvSpPr>
-          <p:cNvPr id="25" name="CuadroTexto 24">
-            <a:extLst>
-              <a:ext uri="{FF2B5EF4-FFF2-40B4-BE49-F238E27FC236}">
-                <a16:creationId xmlns:a16="http://schemas.microsoft.com/office/drawing/2014/main" id="{D00483A4-3EA8-4BF5-AB3C-121FB9FEC797}"/>
+          <p:cNvPr id="14" name="CuadroTexto 13">
+            <a:extLst>
+              <a:ext uri="{FF2B5EF4-FFF2-40B4-BE49-F238E27FC236}">
+                <a16:creationId xmlns:a16="http://schemas.microsoft.com/office/drawing/2014/main" id="{37C3B7F2-B345-43F3-BACE-37CF81DDBCBA}"/>
               </a:ext>
             </a:extLst>
           </p:cNvPr>
@@ -8185,15 +9651,13 @@
         </p:nvSpPr>
         <p:spPr>
           <a:xfrm>
-            <a:off x="9107055" y="5119939"/>
-            <a:ext cx="1071418" cy="369332"/>
-          </a:xfrm>
-          <a:prstGeom prst="rect">
-            <a:avLst/>
-          </a:prstGeom>
-          <a:solidFill>
-            <a:schemeClr val="accent2"/>
-          </a:solidFill>
+            <a:off x="451819" y="6246143"/>
+            <a:ext cx="4507346" cy="276999"/>
+          </a:xfrm>
+          <a:prstGeom prst="rect">
+            <a:avLst/>
+          </a:prstGeom>
+          <a:noFill/>
         </p:spPr>
         <p:txBody>
           <a:bodyPr wrap="square" rtlCol="0">
@@ -8202,73 +9666,8 @@
           <a:lstStyle/>
           <a:p>
             <a:r>
-              <a:rPr lang="en-GB" dirty="0"/>
-              <a:t>Old</a:t>
-            </a:r>
-          </a:p>
-        </p:txBody>
-      </p:sp>
-      <p:pic>
-        <p:nvPicPr>
-          <p:cNvPr id="27" name="Imagen 26">
-            <a:extLst>
-              <a:ext uri="{FF2B5EF4-FFF2-40B4-BE49-F238E27FC236}">
-                <a16:creationId xmlns:a16="http://schemas.microsoft.com/office/drawing/2014/main" id="{6F5F3FFB-4CFF-4BBD-94E9-CB01A06AFD7F}"/>
-              </a:ext>
-            </a:extLst>
-          </p:cNvPr>
-          <p:cNvPicPr>
-            <a:picLocks noChangeAspect="1"/>
-          </p:cNvPicPr>
-          <p:nvPr/>
-        </p:nvPicPr>
-        <p:blipFill>
-          <a:blip r:embed="rId4"/>
-          <a:stretch>
-            <a:fillRect/>
-          </a:stretch>
-        </p:blipFill>
-        <p:spPr>
-          <a:xfrm>
-            <a:off x="270572" y="710063"/>
-            <a:ext cx="5825428" cy="3770723"/>
-          </a:xfrm>
-          <a:prstGeom prst="rect">
-            <a:avLst/>
-          </a:prstGeom>
-        </p:spPr>
-      </p:pic>
-      <p:sp>
-        <p:nvSpPr>
-          <p:cNvPr id="28" name="CuadroTexto 27">
-            <a:extLst>
-              <a:ext uri="{FF2B5EF4-FFF2-40B4-BE49-F238E27FC236}">
-                <a16:creationId xmlns:a16="http://schemas.microsoft.com/office/drawing/2014/main" id="{68AB2A77-EFAC-41EE-8ECA-F8D8DBBD7921}"/>
-              </a:ext>
-            </a:extLst>
-          </p:cNvPr>
-          <p:cNvSpPr txBox="1"/>
-          <p:nvPr/>
-        </p:nvSpPr>
-        <p:spPr>
-          <a:xfrm>
-            <a:off x="332509" y="4658274"/>
-            <a:ext cx="3362036" cy="646331"/>
-          </a:xfrm>
-          <a:prstGeom prst="rect">
-            <a:avLst/>
-          </a:prstGeom>
-          <a:noFill/>
-        </p:spPr>
-        <p:txBody>
-          <a:bodyPr wrap="square" rtlCol="0">
-            <a:spAutoFit/>
-          </a:bodyPr>
-          <a:lstStyle/>
-          <a:p>
-            <a:r>
-              <a:rPr lang="en-GB" dirty="0"/>
-              <a:t>Add a shaded column if there is no data</a:t>
+              <a:rPr lang="en-GB" sz="1200" dirty="0"/>
+              <a:t>Add a shaded column if there is no data?</a:t>
             </a:r>
           </a:p>
         </p:txBody>
@@ -8276,7 +9675,7 @@
     </p:spTree>
     <p:extLst>
       <p:ext uri="{BB962C8B-B14F-4D97-AF65-F5344CB8AC3E}">
-        <p14:creationId xmlns:p14="http://schemas.microsoft.com/office/powerpoint/2010/main" val="2704521481"/>
+        <p14:creationId xmlns:p14="http://schemas.microsoft.com/office/powerpoint/2010/main" val="1302583987"/>
       </p:ext>
     </p:extLst>
   </p:cSld>
@@ -8292,7 +9691,7 @@
     <p:bg>
       <p:bgPr>
         <a:solidFill>
-          <a:schemeClr val="accent4">
+          <a:schemeClr val="accent6">
             <a:lumMod val="20000"/>
             <a:lumOff val="80000"/>
           </a:schemeClr>
@@ -8340,10 +9739,10 @@
             <a:schemeClr val="lt1"/>
           </a:lnRef>
           <a:fillRef idx="1">
-            <a:schemeClr val="accent4"/>
+            <a:schemeClr val="accent6"/>
           </a:fillRef>
           <a:effectRef idx="1">
-            <a:schemeClr val="accent4"/>
+            <a:schemeClr val="accent6"/>
           </a:effectRef>
           <a:fontRef idx="minor">
             <a:schemeClr val="lt1"/>
@@ -8357,7 +9756,7 @@
           <a:p>
             <a:r>
               <a:rPr lang="en-GB" dirty="0"/>
-              <a:t>SA</a:t>
+              <a:t>SUPERATIONS</a:t>
             </a:r>
           </a:p>
         </p:txBody>
@@ -8392,17 +9791,17 @@
           <a:p>
             <a:r>
               <a:rPr lang="en-GB" b="1" dirty="0"/>
-              <a:t>MEAN</a:t>
+              <a:t>COMPOSITION</a:t>
             </a:r>
           </a:p>
         </p:txBody>
       </p:sp>
       <p:pic>
         <p:nvPicPr>
-          <p:cNvPr id="6" name="Imagen 5">
-            <a:extLst>
-              <a:ext uri="{FF2B5EF4-FFF2-40B4-BE49-F238E27FC236}">
-                <a16:creationId xmlns:a16="http://schemas.microsoft.com/office/drawing/2014/main" id="{58C601F9-8115-4016-A4B4-85C869C36F89}"/>
+          <p:cNvPr id="4" name="Imagen 3">
+            <a:extLst>
+              <a:ext uri="{FF2B5EF4-FFF2-40B4-BE49-F238E27FC236}">
+                <a16:creationId xmlns:a16="http://schemas.microsoft.com/office/drawing/2014/main" id="{1ED50D0C-46C9-431D-88F0-B5EACC719087}"/>
               </a:ext>
             </a:extLst>
           </p:cNvPr>
@@ -8419,48 +9818,84 @@
         </p:blipFill>
         <p:spPr>
           <a:xfrm>
-            <a:off x="10018597" y="837121"/>
-            <a:ext cx="1956587" cy="1751828"/>
+            <a:off x="108268" y="1032411"/>
+            <a:ext cx="7860845" cy="4287734"/>
           </a:xfrm>
           <a:prstGeom prst="rect">
             <a:avLst/>
           </a:prstGeom>
         </p:spPr>
       </p:pic>
-      <p:pic>
-        <p:nvPicPr>
-          <p:cNvPr id="8" name="Imagen 7">
-            <a:extLst>
-              <a:ext uri="{FF2B5EF4-FFF2-40B4-BE49-F238E27FC236}">
-                <a16:creationId xmlns:a16="http://schemas.microsoft.com/office/drawing/2014/main" id="{052425AC-61D8-4A2E-9D3A-7C8E66E9C249}"/>
-              </a:ext>
-            </a:extLst>
-          </p:cNvPr>
-          <p:cNvPicPr>
-            <a:picLocks noChangeAspect="1"/>
-          </p:cNvPicPr>
-          <p:nvPr/>
-        </p:nvPicPr>
-        <p:blipFill>
-          <a:blip r:embed="rId3"/>
-          <a:stretch>
-            <a:fillRect/>
-          </a:stretch>
-        </p:blipFill>
-        <p:spPr>
-          <a:xfrm>
-            <a:off x="138129" y="2741335"/>
-            <a:ext cx="12053871" cy="2641370"/>
-          </a:xfrm>
-          <a:prstGeom prst="rect">
-            <a:avLst/>
-          </a:prstGeom>
-        </p:spPr>
-      </p:pic>
+      <p:sp>
+        <p:nvSpPr>
+          <p:cNvPr id="6" name="CuadroTexto 5">
+            <a:extLst>
+              <a:ext uri="{FF2B5EF4-FFF2-40B4-BE49-F238E27FC236}">
+                <a16:creationId xmlns:a16="http://schemas.microsoft.com/office/drawing/2014/main" id="{5E278217-023D-4724-BC02-86E939598AA7}"/>
+              </a:ext>
+            </a:extLst>
+          </p:cNvPr>
+          <p:cNvSpPr txBox="1"/>
+          <p:nvPr/>
+        </p:nvSpPr>
+        <p:spPr>
+          <a:xfrm>
+            <a:off x="8512404" y="1225485"/>
+            <a:ext cx="3308808" cy="1200329"/>
+          </a:xfrm>
+          <a:prstGeom prst="rect">
+            <a:avLst/>
+          </a:prstGeom>
+          <a:noFill/>
+        </p:spPr>
+        <p:txBody>
+          <a:bodyPr wrap="square" rtlCol="0">
+            <a:spAutoFit/>
+          </a:bodyPr>
+          <a:lstStyle/>
+          <a:p>
+            <a:pPr marL="285750" indent="-285750">
+              <a:buFontTx/>
+              <a:buChar char="-"/>
+            </a:pPr>
+            <a:r>
+              <a:rPr lang="en-GB" dirty="0"/>
+              <a:t>Sulphate is not low in SON</a:t>
+            </a:r>
+          </a:p>
+          <a:p>
+            <a:pPr marL="285750" indent="-285750">
+              <a:buFontTx/>
+              <a:buChar char="-"/>
+            </a:pPr>
+            <a:r>
+              <a:rPr lang="en-GB" dirty="0"/>
+              <a:t>Nitrate very high in winter.</a:t>
+            </a:r>
+          </a:p>
+          <a:p>
+            <a:pPr marL="285750" indent="-285750">
+              <a:buFontTx/>
+              <a:buChar char="-"/>
+            </a:pPr>
+            <a:r>
+              <a:rPr lang="en-GB" dirty="0"/>
+              <a:t>Above 40% of OA always</a:t>
+            </a:r>
+          </a:p>
+          <a:p>
+            <a:pPr marL="285750" indent="-285750">
+              <a:buFontTx/>
+              <a:buChar char="-"/>
+            </a:pPr>
+            <a:endParaRPr lang="en-GB" dirty="0"/>
+          </a:p>
+        </p:txBody>
+      </p:sp>
     </p:spTree>
     <p:extLst>
       <p:ext uri="{BB962C8B-B14F-4D97-AF65-F5344CB8AC3E}">
-        <p14:creationId xmlns:p14="http://schemas.microsoft.com/office/powerpoint/2010/main" val="1583870680"/>
+        <p14:creationId xmlns:p14="http://schemas.microsoft.com/office/powerpoint/2010/main" val="263131719"/>
       </p:ext>
     </p:extLst>
   </p:cSld>
